--- a/業務紹介_中村大輝.pptx
+++ b/業務紹介_中村大輝.pptx
@@ -221,7 +221,7 @@
           <a:p>
             <a:fld id="{AB866CA3-C609-430F-B83B-88ABB72A3BF6}" type="datetimeFigureOut">
               <a:rPr kumimoji="1" lang="ja-JP" altLang="en-US" smtClean="0"/>
-              <a:t>2017/11/1</a:t>
+              <a:t>2017/11/10</a:t>
             </a:fld>
             <a:endParaRPr kumimoji="1" lang="ja-JP" altLang="en-US"/>
           </a:p>
@@ -629,12 +629,8 @@
           </a:p>
           <a:p>
             <a:r>
-              <a:rPr kumimoji="1" lang="en-US" altLang="ja-JP" dirty="0" err="1"/>
-              <a:t>Fopstudy</a:t>
-            </a:r>
-            <a:r>
               <a:rPr kumimoji="1" lang="ja-JP" altLang="en-US" dirty="0"/>
-              <a:t>再構築　シンプレックスの案件、</a:t>
+              <a:t>オプションシミュレーター再構築　シンプレックスの案件、</a:t>
             </a:r>
             <a:r>
               <a:rPr kumimoji="1" lang="en-US" altLang="ja-JP" dirty="0"/>
@@ -748,6 +744,16 @@
           <a:lstStyle/>
           <a:p>
             <a:r>
+              <a:rPr kumimoji="1" lang="ja-JP" altLang="en-US" dirty="0"/>
+              <a:t>浜野さん</a:t>
+            </a:r>
+            <a:endParaRPr kumimoji="1" lang="en-US" altLang="ja-JP" dirty="0"/>
+          </a:p>
+          <a:p>
+            <a:endParaRPr kumimoji="1" lang="en-US" altLang="ja-JP" dirty="0"/>
+          </a:p>
+          <a:p>
+            <a:r>
               <a:rPr kumimoji="1" lang="en-US" altLang="ja-JP" dirty="0"/>
               <a:t>Unity</a:t>
             </a:r>
@@ -761,6 +767,20 @@
             <a:r>
               <a:rPr kumimoji="1" lang="ja-JP" altLang="en-US" dirty="0"/>
               <a:t>→作業を断れないくらい</a:t>
+            </a:r>
+            <a:endParaRPr kumimoji="1" lang="en-US" altLang="ja-JP" dirty="0"/>
+          </a:p>
+          <a:p>
+            <a:endParaRPr kumimoji="1" lang="en-US" altLang="ja-JP" dirty="0"/>
+          </a:p>
+          <a:p>
+            <a:r>
+              <a:rPr kumimoji="1" lang="en-US" altLang="ja-JP" dirty="0"/>
+              <a:t>SS</a:t>
+            </a:r>
+            <a:r>
+              <a:rPr kumimoji="1" lang="ja-JP" altLang="en-US" dirty="0"/>
+              <a:t>のお客様との打ち合わせ</a:t>
             </a:r>
           </a:p>
         </p:txBody>
@@ -792,6 +812,222 @@
     <p:extLst>
       <p:ext uri="{BB962C8B-B14F-4D97-AF65-F5344CB8AC3E}">
         <p14:creationId xmlns:p14="http://schemas.microsoft.com/office/powerpoint/2010/main" val="4071547774"/>
+      </p:ext>
+    </p:extLst>
+  </p:cSld>
+  <p:clrMapOvr>
+    <a:masterClrMapping/>
+  </p:clrMapOvr>
+</p:notes>
+</file>
+
+<file path=ppt/notesSlides/notesSlide3.xml><?xml version="1.0" encoding="utf-8"?>
+<p:notes xmlns:a="http://schemas.openxmlformats.org/drawingml/2006/main" xmlns:r="http://schemas.openxmlformats.org/officeDocument/2006/relationships" xmlns:p="http://schemas.openxmlformats.org/presentationml/2006/main">
+  <p:cSld>
+    <p:spTree>
+      <p:nvGrpSpPr>
+        <p:cNvPr id="1" name=""/>
+        <p:cNvGrpSpPr/>
+        <p:nvPr/>
+      </p:nvGrpSpPr>
+      <p:grpSpPr>
+        <a:xfrm>
+          <a:off x="0" y="0"/>
+          <a:ext cx="0" cy="0"/>
+          <a:chOff x="0" y="0"/>
+          <a:chExt cx="0" cy="0"/>
+        </a:xfrm>
+      </p:grpSpPr>
+      <p:sp>
+        <p:nvSpPr>
+          <p:cNvPr id="2" name="スライド イメージ プレースホルダー 1"/>
+          <p:cNvSpPr>
+            <a:spLocks noGrp="1" noRot="1" noChangeAspect="1"/>
+          </p:cNvSpPr>
+          <p:nvPr>
+            <p:ph type="sldImg"/>
+          </p:nvPr>
+        </p:nvSpPr>
+        <p:spPr/>
+      </p:sp>
+      <p:sp>
+        <p:nvSpPr>
+          <p:cNvPr id="3" name="ノート プレースホルダー 2"/>
+          <p:cNvSpPr>
+            <a:spLocks noGrp="1"/>
+          </p:cNvSpPr>
+          <p:nvPr>
+            <p:ph type="body" idx="1"/>
+          </p:nvPr>
+        </p:nvSpPr>
+        <p:spPr/>
+        <p:txBody>
+          <a:bodyPr/>
+          <a:lstStyle/>
+          <a:p>
+            <a:r>
+              <a:rPr kumimoji="1" lang="ja-JP" altLang="en-US" dirty="0"/>
+              <a:t>芦野さん</a:t>
+            </a:r>
+            <a:endParaRPr kumimoji="1" lang="en-US" altLang="ja-JP" dirty="0"/>
+          </a:p>
+          <a:p>
+            <a:r>
+              <a:rPr kumimoji="1" lang="ja-JP" altLang="en-US" dirty="0"/>
+              <a:t>富樫さん</a:t>
+            </a:r>
+            <a:endParaRPr kumimoji="1" lang="en-US" altLang="ja-JP" dirty="0"/>
+          </a:p>
+          <a:p>
+            <a:endParaRPr kumimoji="1" lang="en-US" altLang="ja-JP" dirty="0"/>
+          </a:p>
+          <a:p>
+            <a:r>
+              <a:rPr kumimoji="1" lang="ja-JP" altLang="en-US" dirty="0"/>
+              <a:t>開発</a:t>
+            </a:r>
+            <a:endParaRPr kumimoji="1" lang="en-US" altLang="ja-JP" dirty="0"/>
+          </a:p>
+          <a:p>
+            <a:r>
+              <a:rPr kumimoji="1" lang="ja-JP" altLang="en-US" dirty="0"/>
+              <a:t>テスト</a:t>
+            </a:r>
+            <a:endParaRPr kumimoji="1" lang="en-US" altLang="ja-JP" dirty="0"/>
+          </a:p>
+          <a:p>
+            <a:r>
+              <a:rPr kumimoji="1" lang="ja-JP" altLang="en-US" dirty="0"/>
+              <a:t>ドキュメント修正</a:t>
+            </a:r>
+            <a:endParaRPr kumimoji="1" lang="en-US" altLang="ja-JP" dirty="0"/>
+          </a:p>
+        </p:txBody>
+      </p:sp>
+      <p:sp>
+        <p:nvSpPr>
+          <p:cNvPr id="4" name="スライド番号プレースホルダー 3"/>
+          <p:cNvSpPr>
+            <a:spLocks noGrp="1"/>
+          </p:cNvSpPr>
+          <p:nvPr>
+            <p:ph type="sldNum" sz="quarter" idx="10"/>
+          </p:nvPr>
+        </p:nvSpPr>
+        <p:spPr/>
+        <p:txBody>
+          <a:bodyPr/>
+          <a:lstStyle/>
+          <a:p>
+            <a:fld id="{FC31FF26-3C98-4A0B-8BA5-AAFD7D26DE2D}" type="slidenum">
+              <a:rPr kumimoji="1" lang="ja-JP" altLang="en-US" smtClean="0"/>
+              <a:t>5</a:t>
+            </a:fld>
+            <a:endParaRPr kumimoji="1" lang="ja-JP" altLang="en-US"/>
+          </a:p>
+        </p:txBody>
+      </p:sp>
+    </p:spTree>
+    <p:extLst>
+      <p:ext uri="{BB962C8B-B14F-4D97-AF65-F5344CB8AC3E}">
+        <p14:creationId xmlns:p14="http://schemas.microsoft.com/office/powerpoint/2010/main" val="4191748585"/>
+      </p:ext>
+    </p:extLst>
+  </p:cSld>
+  <p:clrMapOvr>
+    <a:masterClrMapping/>
+  </p:clrMapOvr>
+</p:notes>
+</file>
+
+<file path=ppt/notesSlides/notesSlide4.xml><?xml version="1.0" encoding="utf-8"?>
+<p:notes xmlns:a="http://schemas.openxmlformats.org/drawingml/2006/main" xmlns:r="http://schemas.openxmlformats.org/officeDocument/2006/relationships" xmlns:p="http://schemas.openxmlformats.org/presentationml/2006/main">
+  <p:cSld>
+    <p:spTree>
+      <p:nvGrpSpPr>
+        <p:cNvPr id="1" name=""/>
+        <p:cNvGrpSpPr/>
+        <p:nvPr/>
+      </p:nvGrpSpPr>
+      <p:grpSpPr>
+        <a:xfrm>
+          <a:off x="0" y="0"/>
+          <a:ext cx="0" cy="0"/>
+          <a:chOff x="0" y="0"/>
+          <a:chExt cx="0" cy="0"/>
+        </a:xfrm>
+      </p:grpSpPr>
+      <p:sp>
+        <p:nvSpPr>
+          <p:cNvPr id="2" name="スライド イメージ プレースホルダー 1"/>
+          <p:cNvSpPr>
+            <a:spLocks noGrp="1" noRot="1" noChangeAspect="1"/>
+          </p:cNvSpPr>
+          <p:nvPr>
+            <p:ph type="sldImg"/>
+          </p:nvPr>
+        </p:nvSpPr>
+        <p:spPr/>
+      </p:sp>
+      <p:sp>
+        <p:nvSpPr>
+          <p:cNvPr id="3" name="ノート プレースホルダー 2"/>
+          <p:cNvSpPr>
+            <a:spLocks noGrp="1"/>
+          </p:cNvSpPr>
+          <p:nvPr>
+            <p:ph type="body" idx="1"/>
+          </p:nvPr>
+        </p:nvSpPr>
+        <p:spPr/>
+        <p:txBody>
+          <a:bodyPr/>
+          <a:lstStyle/>
+          <a:p>
+            <a:r>
+              <a:rPr kumimoji="1" lang="ja-JP" altLang="en-US" dirty="0"/>
+              <a:t>浜野さん</a:t>
+            </a:r>
+            <a:endParaRPr kumimoji="1" lang="en-US" altLang="ja-JP" dirty="0"/>
+          </a:p>
+          <a:p>
+            <a:endParaRPr kumimoji="1" lang="en-US" altLang="ja-JP" dirty="0"/>
+          </a:p>
+          <a:p>
+            <a:r>
+              <a:rPr kumimoji="1" lang="ja-JP" altLang="en-US" dirty="0"/>
+              <a:t>虎ノ門ヒルズ</a:t>
+            </a:r>
+          </a:p>
+        </p:txBody>
+      </p:sp>
+      <p:sp>
+        <p:nvSpPr>
+          <p:cNvPr id="4" name="スライド番号プレースホルダー 3"/>
+          <p:cNvSpPr>
+            <a:spLocks noGrp="1"/>
+          </p:cNvSpPr>
+          <p:nvPr>
+            <p:ph type="sldNum" sz="quarter" idx="10"/>
+          </p:nvPr>
+        </p:nvSpPr>
+        <p:spPr/>
+        <p:txBody>
+          <a:bodyPr/>
+          <a:lstStyle/>
+          <a:p>
+            <a:fld id="{FC31FF26-3C98-4A0B-8BA5-AAFD7D26DE2D}" type="slidenum">
+              <a:rPr kumimoji="1" lang="ja-JP" altLang="en-US" smtClean="0"/>
+              <a:t>6</a:t>
+            </a:fld>
+            <a:endParaRPr kumimoji="1" lang="ja-JP" altLang="en-US"/>
+          </a:p>
+        </p:txBody>
+      </p:sp>
+    </p:spTree>
+    <p:extLst>
+      <p:ext uri="{BB962C8B-B14F-4D97-AF65-F5344CB8AC3E}">
+        <p14:creationId xmlns:p14="http://schemas.microsoft.com/office/powerpoint/2010/main" val="1777359583"/>
       </p:ext>
     </p:extLst>
   </p:cSld>
@@ -1027,7 +1263,7 @@
           <a:p>
             <a:fld id="{A2DC2A4E-99A9-4721-9D0D-9BBD58DC5034}" type="datetime1">
               <a:rPr lang="en-US" altLang="ja-JP" smtClean="0"/>
-              <a:t>11/1/2017</a:t>
+              <a:t>11/10/2017</a:t>
             </a:fld>
             <a:endParaRPr lang="en-US" dirty="0"/>
           </a:p>
@@ -1298,7 +1534,7 @@
           <a:p>
             <a:fld id="{98337B24-5F39-4B2D-841D-3BE046A28DB0}" type="datetime1">
               <a:rPr lang="en-US" altLang="ja-JP" smtClean="0"/>
-              <a:t>11/1/2017</a:t>
+              <a:t>11/10/2017</a:t>
             </a:fld>
             <a:endParaRPr lang="en-US" dirty="0"/>
           </a:p>
@@ -1581,7 +1817,7 @@
           <a:p>
             <a:fld id="{CFCA8A26-DE0A-4C8A-80D9-11C2E502D051}" type="datetime1">
               <a:rPr lang="en-US" altLang="ja-JP" smtClean="0"/>
-              <a:t>11/1/2017</a:t>
+              <a:t>11/10/2017</a:t>
             </a:fld>
             <a:endParaRPr lang="en-US" dirty="0"/>
           </a:p>
@@ -1782,7 +2018,7 @@
           <a:p>
             <a:fld id="{58C1305B-68C5-4270-943A-7BBE5C84A524}" type="datetime1">
               <a:rPr lang="en-US" altLang="ja-JP" smtClean="0"/>
-              <a:t>11/1/2017</a:t>
+              <a:t>11/10/2017</a:t>
             </a:fld>
             <a:endParaRPr lang="en-US" dirty="0"/>
           </a:p>
@@ -2120,7 +2356,7 @@
           <a:p>
             <a:fld id="{09BB7EBC-4D06-4D2D-8ECE-F94450295900}" type="datetime1">
               <a:rPr lang="en-US" altLang="ja-JP" smtClean="0"/>
-              <a:t>11/1/2017</a:t>
+              <a:t>11/10/2017</a:t>
             </a:fld>
             <a:endParaRPr lang="en-US" dirty="0"/>
           </a:p>
@@ -2490,7 +2726,7 @@
           <a:p>
             <a:fld id="{972DCD52-67B7-4A11-9775-ABB97E5B25AB}" type="datetime1">
               <a:rPr lang="en-US" altLang="ja-JP" smtClean="0"/>
-              <a:t>11/1/2017</a:t>
+              <a:t>11/10/2017</a:t>
             </a:fld>
             <a:endParaRPr lang="en-US" dirty="0"/>
           </a:p>
@@ -2928,7 +3164,7 @@
           <a:p>
             <a:fld id="{F98561D2-7A32-4557-8CA8-07CB49631FD9}" type="datetime1">
               <a:rPr lang="en-US" altLang="ja-JP" smtClean="0"/>
-              <a:t>11/1/2017</a:t>
+              <a:t>11/10/2017</a:t>
             </a:fld>
             <a:endParaRPr lang="en-US" dirty="0"/>
           </a:p>
@@ -3041,7 +3277,7 @@
           <a:p>
             <a:fld id="{EF31DA66-81C5-4B04-B304-A2EBA030D49C}" type="datetime1">
               <a:rPr lang="en-US" altLang="ja-JP" smtClean="0"/>
-              <a:t>11/1/2017</a:t>
+              <a:t>11/10/2017</a:t>
             </a:fld>
             <a:endParaRPr lang="en-US" dirty="0"/>
           </a:p>
@@ -3207,7 +3443,7 @@
           <a:p>
             <a:fld id="{55258932-AEAC-42C0-ABB8-9482C33CC7C8}" type="datetime1">
               <a:rPr lang="en-US" altLang="ja-JP" smtClean="0"/>
-              <a:t>11/1/2017</a:t>
+              <a:t>11/10/2017</a:t>
             </a:fld>
             <a:endParaRPr lang="en-US" dirty="0"/>
           </a:p>
@@ -3589,7 +3825,7 @@
           <a:p>
             <a:fld id="{58E3615F-3DD4-458B-AA65-95BA28BB2116}" type="datetime1">
               <a:rPr lang="en-US" altLang="ja-JP" smtClean="0"/>
-              <a:t>11/1/2017</a:t>
+              <a:t>11/10/2017</a:t>
             </a:fld>
             <a:endParaRPr lang="en-US" dirty="0"/>
           </a:p>
@@ -3967,7 +4203,7 @@
           <a:p>
             <a:fld id="{B4811648-2416-45CC-80DA-E267705AB176}" type="datetime1">
               <a:rPr lang="en-US" altLang="ja-JP" smtClean="0"/>
-              <a:t>11/1/2017</a:t>
+              <a:t>11/10/2017</a:t>
             </a:fld>
             <a:endParaRPr lang="en-US" dirty="0"/>
           </a:p>
@@ -4282,7 +4518,7 @@
             <a:fld id="{88F2321B-92E6-46D4-9AE4-680F4F2656AE}" type="datetime1">
               <a:rPr lang="en-US" altLang="ja-JP" smtClean="0"/>
               <a:pPr/>
-              <a:t>11/1/2017</a:t>
+              <a:t>11/10/2017</a:t>
             </a:fld>
             <a:endParaRPr lang="en-US" dirty="0"/>
           </a:p>
@@ -4937,7 +5173,7 @@
           <a:p>
             <a:fld id="{F30701DF-1759-42A7-9371-E4960A37BD8A}" type="datetime1">
               <a:rPr lang="en-US" altLang="ja-JP" smtClean="0"/>
-              <a:t>11/1/2017</a:t>
+              <a:t>11/10/2017</a:t>
             </a:fld>
             <a:endParaRPr lang="en-US" dirty="0"/>
           </a:p>
@@ -5025,7 +5261,7 @@
           <a:p>
             <a:fld id="{55258932-AEAC-42C0-ABB8-9482C33CC7C8}" type="datetime1">
               <a:rPr lang="en-US" altLang="ja-JP" smtClean="0"/>
-              <a:t>11/1/2017</a:t>
+              <a:t>11/10/2017</a:t>
             </a:fld>
             <a:endParaRPr lang="en-US" dirty="0"/>
           </a:p>
@@ -5245,7 +5481,7 @@
           <a:p>
             <a:fld id="{58C1305B-68C5-4270-943A-7BBE5C84A524}" type="datetime1">
               <a:rPr lang="en-US" altLang="ja-JP" smtClean="0"/>
-              <a:t>11/1/2017</a:t>
+              <a:t>11/10/2017</a:t>
             </a:fld>
             <a:endParaRPr lang="en-US" dirty="0"/>
           </a:p>
@@ -5381,7 +5617,7 @@
               <a:rPr kumimoji="1" lang="ja-JP" altLang="en-US" sz="3200" dirty="0">
                 <a:latin typeface="+mn-ea"/>
               </a:rPr>
-              <a:t>アプリ開発　　　　　　　　　 </a:t>
+              <a:t>アプリ開発　　　　　　　　　                   </a:t>
             </a:r>
             <a:r>
               <a:rPr lang="ja-JP" altLang="en-US" sz="3200" dirty="0">
@@ -5408,7 +5644,7 @@
               <a:rPr lang="ja-JP" altLang="en-US" sz="3200" dirty="0">
                 <a:latin typeface="+mn-ea"/>
               </a:rPr>
-              <a:t>脆弱性対応　　　　　　　　 </a:t>
+              <a:t>脆弱性対応　　　　　　　　                   </a:t>
             </a:r>
             <a:r>
               <a:rPr lang="en-US" altLang="ja-JP" sz="3200" dirty="0">
@@ -5453,7 +5689,7 @@
               <a:rPr kumimoji="1" lang="ja-JP" altLang="en-US" sz="3200" dirty="0">
                 <a:latin typeface="+mn-ea"/>
               </a:rPr>
-              <a:t>オペマニ多言語化対応　  </a:t>
+              <a:t>オペマニ多言語化対応　                    </a:t>
             </a:r>
             <a:r>
               <a:rPr kumimoji="1" lang="en-US" altLang="ja-JP" sz="3200" dirty="0">
@@ -5498,7 +5734,7 @@
               <a:rPr lang="ja-JP" altLang="en-US" sz="3200" dirty="0">
                 <a:latin typeface="+mn-ea"/>
               </a:rPr>
-              <a:t>接客端末認証機能改修　  </a:t>
+              <a:t>接客端末認証機能改修　                     </a:t>
             </a:r>
             <a:r>
               <a:rPr lang="en-US" altLang="ja-JP" sz="3200" dirty="0">
@@ -5522,16 +5758,16 @@
               <a:buChar char="l"/>
             </a:pPr>
             <a:r>
-              <a:rPr kumimoji="1" lang="en-US" altLang="ja-JP" sz="3200" dirty="0" err="1">
+              <a:rPr kumimoji="1" lang="en-US" altLang="ja-JP" sz="3200" dirty="0">
                 <a:latin typeface="+mn-ea"/>
               </a:rPr>
-              <a:t>fopstudy</a:t>
+              <a:t>OSE</a:t>
             </a:r>
             <a:r>
               <a:rPr kumimoji="1" lang="ja-JP" altLang="en-US" sz="3200" dirty="0">
                 <a:latin typeface="+mn-ea"/>
               </a:rPr>
-              <a:t>再構築　　　　　　　　 </a:t>
+              <a:t>オプション シミュレーター再構築　　　  </a:t>
             </a:r>
             <a:r>
               <a:rPr kumimoji="1" lang="en-US" altLang="ja-JP" sz="3200" dirty="0">
@@ -5548,36 +5784,6 @@
             <a:endParaRPr kumimoji="1" lang="en-US" altLang="ja-JP" sz="3200" dirty="0">
               <a:latin typeface="+mn-ea"/>
             </a:endParaRPr>
-          </a:p>
-          <a:p>
-            <a:pPr>
-              <a:buFont typeface="Wingdings" panose="05000000000000000000" pitchFamily="2" charset="2"/>
-              <a:buChar char="l"/>
-            </a:pPr>
-            <a:r>
-              <a:rPr kumimoji="1" lang="en-US" altLang="ja-JP" sz="3200" dirty="0">
-                <a:latin typeface="+mn-ea"/>
-              </a:rPr>
-              <a:t>G</a:t>
-            </a:r>
-            <a:r>
-              <a:rPr kumimoji="1" lang="ja-JP" altLang="en-US" sz="3200" dirty="0">
-                <a:latin typeface="+mn-ea"/>
-              </a:rPr>
-              <a:t>モニター　　　　　　　　　　　  </a:t>
-            </a:r>
-            <a:r>
-              <a:rPr kumimoji="1" lang="en-US" altLang="ja-JP" sz="3200" dirty="0">
-                <a:latin typeface="+mn-ea"/>
-              </a:rPr>
-              <a:t>10</a:t>
-            </a:r>
-            <a:r>
-              <a:rPr kumimoji="1" lang="ja-JP" altLang="en-US" sz="3200" dirty="0">
-                <a:latin typeface="+mn-ea"/>
-              </a:rPr>
-              <a:t>月～</a:t>
-            </a:r>
           </a:p>
         </p:txBody>
       </p:sp>
@@ -5604,7 +5810,7 @@
           <a:p>
             <a:fld id="{58C1305B-68C5-4270-943A-7BBE5C84A524}" type="datetime1">
               <a:rPr lang="en-US" altLang="ja-JP" smtClean="0"/>
-              <a:t>11/1/2017</a:t>
+              <a:t>11/10/2017</a:t>
             </a:fld>
             <a:endParaRPr lang="en-US" dirty="0"/>
           </a:p>
@@ -5963,7 +6169,7 @@
           <a:p>
             <a:fld id="{58C1305B-68C5-4270-943A-7BBE5C84A524}" type="datetime1">
               <a:rPr lang="en-US" altLang="ja-JP" smtClean="0"/>
-              <a:t>11/1/2017</a:t>
+              <a:t>11/10/2017</a:t>
             </a:fld>
             <a:endParaRPr lang="en-US" dirty="0"/>
           </a:p>
@@ -5998,6 +6204,66 @@
           </a:p>
         </p:txBody>
       </p:sp>
+      <p:pic>
+        <p:nvPicPr>
+          <p:cNvPr id="9" name="図 8">
+            <a:extLst>
+              <a:ext uri="{FF2B5EF4-FFF2-40B4-BE49-F238E27FC236}">
+                <a16:creationId xmlns:a16="http://schemas.microsoft.com/office/drawing/2014/main" id="{E62D2B64-BF12-41E3-B597-DFF05B676C37}"/>
+              </a:ext>
+            </a:extLst>
+          </p:cNvPr>
+          <p:cNvPicPr>
+            <a:picLocks noChangeAspect="1"/>
+          </p:cNvPicPr>
+          <p:nvPr/>
+        </p:nvPicPr>
+        <p:blipFill>
+          <a:blip r:embed="rId3"/>
+          <a:stretch>
+            <a:fillRect/>
+          </a:stretch>
+        </p:blipFill>
+        <p:spPr>
+          <a:xfrm>
+            <a:off x="736139" y="546564"/>
+            <a:ext cx="8528177" cy="4912972"/>
+          </a:xfrm>
+          <a:prstGeom prst="rect">
+            <a:avLst/>
+          </a:prstGeom>
+        </p:spPr>
+      </p:pic>
+      <p:pic>
+        <p:nvPicPr>
+          <p:cNvPr id="11" name="図 10">
+            <a:extLst>
+              <a:ext uri="{FF2B5EF4-FFF2-40B4-BE49-F238E27FC236}">
+                <a16:creationId xmlns:a16="http://schemas.microsoft.com/office/drawing/2014/main" id="{DF5244B1-253D-4C64-983E-97A228A0204B}"/>
+              </a:ext>
+            </a:extLst>
+          </p:cNvPr>
+          <p:cNvPicPr>
+            <a:picLocks noChangeAspect="1"/>
+          </p:cNvPicPr>
+          <p:nvPr/>
+        </p:nvPicPr>
+        <p:blipFill>
+          <a:blip r:embed="rId4"/>
+          <a:stretch>
+            <a:fillRect/>
+          </a:stretch>
+        </p:blipFill>
+        <p:spPr>
+          <a:xfrm>
+            <a:off x="2755185" y="1169173"/>
+            <a:ext cx="8506372" cy="4881054"/>
+          </a:xfrm>
+          <a:prstGeom prst="rect">
+            <a:avLst/>
+          </a:prstGeom>
+        </p:spPr>
+      </p:pic>
     </p:spTree>
     <p:extLst>
       <p:ext uri="{BB962C8B-B14F-4D97-AF65-F5344CB8AC3E}">
@@ -6008,6 +6274,142 @@
   <p:clrMapOvr>
     <a:masterClrMapping/>
   </p:clrMapOvr>
+  <p:timing>
+    <p:tnLst>
+      <p:par>
+        <p:cTn id="1" dur="indefinite" restart="never" nodeType="tmRoot">
+          <p:childTnLst>
+            <p:seq concurrent="1" nextAc="seek">
+              <p:cTn id="2" dur="indefinite" nodeType="mainSeq">
+                <p:childTnLst>
+                  <p:par>
+                    <p:cTn id="3" fill="hold">
+                      <p:stCondLst>
+                        <p:cond delay="indefinite"/>
+                      </p:stCondLst>
+                      <p:childTnLst>
+                        <p:par>
+                          <p:cTn id="4" fill="hold">
+                            <p:stCondLst>
+                              <p:cond delay="0"/>
+                            </p:stCondLst>
+                            <p:childTnLst>
+                              <p:par>
+                                <p:cTn id="5" presetID="10" presetClass="entr" presetSubtype="0" fill="hold" nodeType="clickEffect">
+                                  <p:stCondLst>
+                                    <p:cond delay="0"/>
+                                  </p:stCondLst>
+                                  <p:childTnLst>
+                                    <p:set>
+                                      <p:cBhvr>
+                                        <p:cTn id="6" dur="1" fill="hold">
+                                          <p:stCondLst>
+                                            <p:cond delay="0"/>
+                                          </p:stCondLst>
+                                        </p:cTn>
+                                        <p:tgtEl>
+                                          <p:spTgt spid="9"/>
+                                        </p:tgtEl>
+                                        <p:attrNameLst>
+                                          <p:attrName>style.visibility</p:attrName>
+                                        </p:attrNameLst>
+                                      </p:cBhvr>
+                                      <p:to>
+                                        <p:strVal val="visible"/>
+                                      </p:to>
+                                    </p:set>
+                                    <p:animEffect transition="in" filter="fade">
+                                      <p:cBhvr>
+                                        <p:cTn id="7" dur="500"/>
+                                        <p:tgtEl>
+                                          <p:spTgt spid="9"/>
+                                        </p:tgtEl>
+                                      </p:cBhvr>
+                                    </p:animEffect>
+                                  </p:childTnLst>
+                                </p:cTn>
+                              </p:par>
+                            </p:childTnLst>
+                          </p:cTn>
+                        </p:par>
+                      </p:childTnLst>
+                    </p:cTn>
+                  </p:par>
+                  <p:par>
+                    <p:cTn id="8" fill="hold">
+                      <p:stCondLst>
+                        <p:cond delay="indefinite"/>
+                      </p:stCondLst>
+                      <p:childTnLst>
+                        <p:par>
+                          <p:cTn id="9" fill="hold">
+                            <p:stCondLst>
+                              <p:cond delay="0"/>
+                            </p:stCondLst>
+                            <p:childTnLst>
+                              <p:par>
+                                <p:cTn id="10" presetID="10" presetClass="entr" presetSubtype="0" fill="hold" nodeType="clickEffect">
+                                  <p:stCondLst>
+                                    <p:cond delay="0"/>
+                                  </p:stCondLst>
+                                  <p:childTnLst>
+                                    <p:set>
+                                      <p:cBhvr>
+                                        <p:cTn id="11" dur="1" fill="hold">
+                                          <p:stCondLst>
+                                            <p:cond delay="0"/>
+                                          </p:stCondLst>
+                                        </p:cTn>
+                                        <p:tgtEl>
+                                          <p:spTgt spid="11"/>
+                                        </p:tgtEl>
+                                        <p:attrNameLst>
+                                          <p:attrName>style.visibility</p:attrName>
+                                        </p:attrNameLst>
+                                      </p:cBhvr>
+                                      <p:to>
+                                        <p:strVal val="visible"/>
+                                      </p:to>
+                                    </p:set>
+                                    <p:animEffect transition="in" filter="fade">
+                                      <p:cBhvr>
+                                        <p:cTn id="12" dur="500"/>
+                                        <p:tgtEl>
+                                          <p:spTgt spid="11"/>
+                                        </p:tgtEl>
+                                      </p:cBhvr>
+                                    </p:animEffect>
+                                  </p:childTnLst>
+                                </p:cTn>
+                              </p:par>
+                            </p:childTnLst>
+                          </p:cTn>
+                        </p:par>
+                      </p:childTnLst>
+                    </p:cTn>
+                  </p:par>
+                </p:childTnLst>
+              </p:cTn>
+              <p:prevCondLst>
+                <p:cond evt="onPrev" delay="0">
+                  <p:tgtEl>
+                    <p:sldTgt/>
+                  </p:tgtEl>
+                </p:cond>
+              </p:prevCondLst>
+              <p:nextCondLst>
+                <p:cond evt="onNext" delay="0">
+                  <p:tgtEl>
+                    <p:sldTgt/>
+                  </p:tgtEl>
+                </p:cond>
+              </p:nextCondLst>
+            </p:seq>
+          </p:childTnLst>
+        </p:cTn>
+      </p:par>
+    </p:tnLst>
+  </p:timing>
 </p:sld>
 </file>
 
@@ -6176,7 +6578,7 @@
           <a:p>
             <a:fld id="{58C1305B-68C5-4270-943A-7BBE5C84A524}" type="datetime1">
               <a:rPr lang="en-US" altLang="ja-JP" smtClean="0"/>
-              <a:t>11/1/2017</a:t>
+              <a:t>11/10/2017</a:t>
             </a:fld>
             <a:endParaRPr lang="en-US" dirty="0"/>
           </a:p>
@@ -6263,16 +6665,16 @@
           <a:lstStyle/>
           <a:p>
             <a:r>
-              <a:rPr lang="en-US" altLang="ja-JP" dirty="0" err="1">
+              <a:rPr lang="en-US" altLang="ja-JP" dirty="0">
                 <a:latin typeface="+mn-ea"/>
               </a:rPr>
-              <a:t>fopstudy</a:t>
+              <a:t>OSE</a:t>
             </a:r>
             <a:r>
               <a:rPr lang="ja-JP" altLang="en-US" dirty="0">
                 <a:latin typeface="+mn-ea"/>
               </a:rPr>
-              <a:t>再構築</a:t>
+              <a:t>オプション シミュレーター再構築</a:t>
             </a:r>
             <a:endParaRPr kumimoji="1" lang="ja-JP" altLang="en-US" dirty="0"/>
           </a:p>
@@ -6360,10 +6762,16 @@
               <a:buChar char="l"/>
             </a:pPr>
             <a:r>
+              <a:rPr lang="en-US" altLang="ja-JP" sz="3200" dirty="0" err="1">
+                <a:latin typeface="+mn-ea"/>
+              </a:rPr>
+              <a:t>RSpec</a:t>
+            </a:r>
+            <a:r>
               <a:rPr lang="ja-JP" altLang="en-US" sz="3200" dirty="0">
                 <a:latin typeface="+mn-ea"/>
               </a:rPr>
-              <a:t>再び訪れたテストコード作成</a:t>
+              <a:t> でのテストコード作成</a:t>
             </a:r>
             <a:endParaRPr lang="en-US" altLang="ja-JP" sz="3200" dirty="0">
               <a:latin typeface="+mn-ea"/>
@@ -6433,7 +6841,7 @@
           <a:p>
             <a:fld id="{58C1305B-68C5-4270-943A-7BBE5C84A524}" type="datetime1">
               <a:rPr lang="en-US" altLang="ja-JP" smtClean="0"/>
-              <a:t>11/1/2017</a:t>
+              <a:t>11/10/2017</a:t>
             </a:fld>
             <a:endParaRPr lang="en-US" dirty="0"/>
           </a:p>
@@ -6468,6 +6876,66 @@
           </a:p>
         </p:txBody>
       </p:sp>
+      <p:pic>
+        <p:nvPicPr>
+          <p:cNvPr id="7" name="図 6">
+            <a:extLst>
+              <a:ext uri="{FF2B5EF4-FFF2-40B4-BE49-F238E27FC236}">
+                <a16:creationId xmlns:a16="http://schemas.microsoft.com/office/drawing/2014/main" id="{E8B57585-016C-4649-A0FE-68BF2E0F498C}"/>
+              </a:ext>
+            </a:extLst>
+          </p:cNvPr>
+          <p:cNvPicPr>
+            <a:picLocks noChangeAspect="1"/>
+          </p:cNvPicPr>
+          <p:nvPr/>
+        </p:nvPicPr>
+        <p:blipFill>
+          <a:blip r:embed="rId3"/>
+          <a:stretch>
+            <a:fillRect/>
+          </a:stretch>
+        </p:blipFill>
+        <p:spPr>
+          <a:xfrm>
+            <a:off x="6517667" y="2401455"/>
+            <a:ext cx="4231784" cy="4141458"/>
+          </a:xfrm>
+          <a:prstGeom prst="rect">
+            <a:avLst/>
+          </a:prstGeom>
+        </p:spPr>
+      </p:pic>
+      <p:pic>
+        <p:nvPicPr>
+          <p:cNvPr id="9" name="図 8">
+            <a:extLst>
+              <a:ext uri="{FF2B5EF4-FFF2-40B4-BE49-F238E27FC236}">
+                <a16:creationId xmlns:a16="http://schemas.microsoft.com/office/drawing/2014/main" id="{82E758E0-EDA8-428A-A3C1-3A2647C8EC03}"/>
+              </a:ext>
+            </a:extLst>
+          </p:cNvPr>
+          <p:cNvPicPr>
+            <a:picLocks noChangeAspect="1"/>
+          </p:cNvPicPr>
+          <p:nvPr/>
+        </p:nvPicPr>
+        <p:blipFill>
+          <a:blip r:embed="rId4"/>
+          <a:stretch>
+            <a:fillRect/>
+          </a:stretch>
+        </p:blipFill>
+        <p:spPr>
+          <a:xfrm>
+            <a:off x="1827307" y="0"/>
+            <a:ext cx="8454656" cy="6340992"/>
+          </a:xfrm>
+          <a:prstGeom prst="rect">
+            <a:avLst/>
+          </a:prstGeom>
+        </p:spPr>
+      </p:pic>
     </p:spTree>
     <p:extLst>
       <p:ext uri="{BB962C8B-B14F-4D97-AF65-F5344CB8AC3E}">
@@ -6478,6 +6946,89 @@
   <p:clrMapOvr>
     <a:masterClrMapping/>
   </p:clrMapOvr>
+  <p:timing>
+    <p:tnLst>
+      <p:par>
+        <p:cTn id="1" dur="indefinite" restart="never" nodeType="tmRoot">
+          <p:childTnLst>
+            <p:seq concurrent="1" nextAc="seek">
+              <p:cTn id="2" dur="indefinite" nodeType="mainSeq">
+                <p:childTnLst>
+                  <p:par>
+                    <p:cTn id="3" fill="hold">
+                      <p:stCondLst>
+                        <p:cond delay="indefinite"/>
+                      </p:stCondLst>
+                      <p:childTnLst>
+                        <p:par>
+                          <p:cTn id="4" fill="hold">
+                            <p:stCondLst>
+                              <p:cond delay="0"/>
+                            </p:stCondLst>
+                            <p:childTnLst>
+                              <p:par>
+                                <p:cTn id="5" presetID="21" presetClass="entr" presetSubtype="1" fill="hold" nodeType="clickEffect">
+                                  <p:stCondLst>
+                                    <p:cond delay="0"/>
+                                  </p:stCondLst>
+                                  <p:childTnLst>
+                                    <p:set>
+                                      <p:cBhvr>
+                                        <p:cTn id="6" dur="1" fill="hold">
+                                          <p:stCondLst>
+                                            <p:cond delay="0"/>
+                                          </p:stCondLst>
+                                        </p:cTn>
+                                        <p:tgtEl>
+                                          <p:spTgt spid="9"/>
+                                        </p:tgtEl>
+                                        <p:attrNameLst>
+                                          <p:attrName>style.visibility</p:attrName>
+                                        </p:attrNameLst>
+                                      </p:cBhvr>
+                                      <p:to>
+                                        <p:strVal val="visible"/>
+                                      </p:to>
+                                    </p:set>
+                                    <p:animEffect transition="in" filter="wheel(1)">
+                                      <p:cBhvr>
+                                        <p:cTn id="7" dur="2000"/>
+                                        <p:tgtEl>
+                                          <p:spTgt spid="9"/>
+                                        </p:tgtEl>
+                                      </p:cBhvr>
+                                    </p:animEffect>
+                                  </p:childTnLst>
+                                </p:cTn>
+                              </p:par>
+                            </p:childTnLst>
+                          </p:cTn>
+                        </p:par>
+                      </p:childTnLst>
+                    </p:cTn>
+                  </p:par>
+                </p:childTnLst>
+              </p:cTn>
+              <p:prevCondLst>
+                <p:cond evt="onPrev" delay="0">
+                  <p:tgtEl>
+                    <p:sldTgt/>
+                  </p:tgtEl>
+                </p:cond>
+              </p:prevCondLst>
+              <p:nextCondLst>
+                <p:cond evt="onNext" delay="0">
+                  <p:tgtEl>
+                    <p:sldTgt/>
+                  </p:tgtEl>
+                </p:cond>
+              </p:nextCondLst>
+            </p:seq>
+          </p:childTnLst>
+        </p:cTn>
+      </p:par>
+    </p:tnLst>
+  </p:timing>
 </p:sld>
 </file>
 
@@ -6658,7 +7209,7 @@
           <a:p>
             <a:fld id="{58C1305B-68C5-4270-943A-7BBE5C84A524}" type="datetime1">
               <a:rPr lang="en-US" altLang="ja-JP" smtClean="0"/>
-              <a:t>11/1/2017</a:t>
+              <a:t>11/10/2017</a:t>
             </a:fld>
             <a:endParaRPr lang="en-US" dirty="0"/>
           </a:p>
@@ -7029,7 +7580,7 @@
           <a:p>
             <a:fld id="{58C1305B-68C5-4270-943A-7BBE5C84A524}" type="datetime1">
               <a:rPr lang="en-US" altLang="ja-JP" smtClean="0"/>
-              <a:t>11/1/2017</a:t>
+              <a:t>11/10/2017</a:t>
             </a:fld>
             <a:endParaRPr lang="en-US" dirty="0"/>
           </a:p>
@@ -7441,7 +7992,7 @@
           <a:p>
             <a:fld id="{58C1305B-68C5-4270-943A-7BBE5C84A524}" type="datetime1">
               <a:rPr lang="en-US" altLang="ja-JP" smtClean="0"/>
-              <a:t>11/1/2017</a:t>
+              <a:t>11/10/2017</a:t>
             </a:fld>
             <a:endParaRPr lang="en-US" dirty="0"/>
           </a:p>
